--- a/8443_Grupo2_TAREA_GRUPAL.pptx
+++ b/8443_Grupo2_TAREA_GRUPAL.pptx
@@ -3850,7 +3850,10 @@
     <p:bg>
       <p:bgPr>
         <a:solidFill>
-          <a:schemeClr val="bg2"/>
+          <a:schemeClr val="accent2">
+            <a:lumMod val="60000"/>
+            <a:lumOff val="40000"/>
+          </a:schemeClr>
         </a:solidFill>
         <a:effectLst/>
       </p:bgPr>
@@ -5002,8 +5005,8 @@
         </p:blipFill>
         <p:spPr bwMode="auto">
           <a:xfrm>
-            <a:off x="0" y="2430212"/>
-            <a:ext cx="5807355" cy="1495392"/>
+            <a:off x="5067301" y="828060"/>
+            <a:ext cx="7193737" cy="1852385"/>
           </a:xfrm>
           <a:prstGeom prst="rect">
             <a:avLst/>
@@ -5038,40 +5041,15 @@
         </p:nvSpPr>
         <p:spPr>
           <a:xfrm>
-            <a:off x="6096001" y="3048000"/>
-            <a:ext cx="5334000" cy="3048001"/>
+            <a:off x="4834422" y="3222965"/>
+            <a:ext cx="5798458" cy="3120896"/>
           </a:xfrm>
         </p:spPr>
         <p:txBody>
           <a:bodyPr vert="horz" lIns="91440" tIns="45720" rIns="91440" bIns="45720" rtlCol="0">
-            <a:normAutofit fontScale="92500"/>
+            <a:normAutofit fontScale="92500" lnSpcReduction="10000"/>
           </a:bodyPr>
           <a:lstStyle/>
-          <a:p>
-            <a:pPr indent="-228600" algn="l">
-              <a:lnSpc>
-                <a:spcPct val="115000"/>
-              </a:lnSpc>
-              <a:buFont typeface="Arial" panose="020B0604020202020204" pitchFamily="34" charset="0"/>
-              <a:buChar char="•"/>
-            </a:pPr>
-            <a:r>
-              <a:rPr lang="en-US" sz="2200" dirty="0" err="1"/>
-              <a:t>Aplicación</a:t>
-            </a:r>
-            <a:r>
-              <a:rPr lang="en-US" sz="2200" dirty="0"/>
-              <a:t> De </a:t>
-            </a:r>
-            <a:r>
-              <a:rPr lang="en-US" sz="2200" dirty="0" err="1"/>
-              <a:t>Tecnologías</a:t>
-            </a:r>
-            <a:r>
-              <a:rPr lang="en-US" sz="2200" dirty="0"/>
-              <a:t> Web</a:t>
-            </a:r>
-          </a:p>
           <a:p>
             <a:pPr algn="l">
               <a:lnSpc>
@@ -5079,25 +5057,44 @@
               </a:lnSpc>
             </a:pPr>
             <a:r>
-              <a:rPr lang="en-US" sz="2200" dirty="0"/>
-              <a:t>JUAN FERNANDO GALARRAGA HURTADO</a:t>
-            </a:r>
-          </a:p>
-          <a:p>
-            <a:pPr indent="-228600" algn="l">
-              <a:lnSpc>
-                <a:spcPct val="115000"/>
-              </a:lnSpc>
-              <a:buFont typeface="Arial" panose="020B0604020202020204" pitchFamily="34" charset="0"/>
-              <a:buChar char="•"/>
-            </a:pPr>
-            <a:r>
-              <a:rPr lang="en-US" sz="2200" dirty="0" err="1"/>
-              <a:t>Integrantes</a:t>
-            </a:r>
-            <a:r>
-              <a:rPr lang="en-US" sz="2200" dirty="0"/>
-              <a:t>: </a:t>
+              <a:rPr lang="en-US" sz="2200" b="1" dirty="0" err="1">
+                <a:solidFill>
+                  <a:srgbClr val="002060">
+                    <a:alpha val="70000"/>
+                  </a:srgbClr>
+                </a:solidFill>
+              </a:rPr>
+              <a:t>Aplicación</a:t>
+            </a:r>
+            <a:r>
+              <a:rPr lang="en-US" sz="2200" b="1" dirty="0">
+                <a:solidFill>
+                  <a:srgbClr val="002060">
+                    <a:alpha val="70000"/>
+                  </a:srgbClr>
+                </a:solidFill>
+              </a:rPr>
+              <a:t> De </a:t>
+            </a:r>
+            <a:r>
+              <a:rPr lang="en-US" sz="2200" b="1" dirty="0" err="1">
+                <a:solidFill>
+                  <a:srgbClr val="002060">
+                    <a:alpha val="70000"/>
+                  </a:srgbClr>
+                </a:solidFill>
+              </a:rPr>
+              <a:t>Tecnologías</a:t>
+            </a:r>
+            <a:r>
+              <a:rPr lang="en-US" sz="2200" b="1" dirty="0">
+                <a:solidFill>
+                  <a:srgbClr val="002060">
+                    <a:alpha val="70000"/>
+                  </a:srgbClr>
+                </a:solidFill>
+              </a:rPr>
+              <a:t> Web 8443</a:t>
             </a:r>
           </a:p>
           <a:p>
@@ -5106,10 +5103,13 @@
                 <a:spcPct val="115000"/>
               </a:lnSpc>
             </a:pPr>
-            <a:r>
-              <a:rPr lang="en-US" sz="2200" dirty="0"/>
-              <a:t>	Bustamante Moreno Cristian David</a:t>
-            </a:r>
+            <a:endParaRPr lang="en-US" sz="2200" b="1" dirty="0">
+              <a:solidFill>
+                <a:srgbClr val="002060">
+                  <a:alpha val="70000"/>
+                </a:srgbClr>
+              </a:solidFill>
+            </a:endParaRPr>
           </a:p>
           <a:p>
             <a:pPr algn="l">
@@ -5118,21 +5118,89 @@
               </a:lnSpc>
             </a:pPr>
             <a:r>
-              <a:rPr lang="en-US" sz="2200" dirty="0"/>
-              <a:t>	Gómez Rosero Luis Daniel</a:t>
-            </a:r>
-          </a:p>
-          <a:p>
-            <a:pPr indent="-228600" algn="l">
+              <a:rPr lang="en-US" sz="2200" b="1" dirty="0">
+                <a:solidFill>
+                  <a:srgbClr val="002060">
+                    <a:alpha val="70000"/>
+                  </a:srgbClr>
+                </a:solidFill>
+              </a:rPr>
+              <a:t>JUAN FERNANDO GALARRAGA HURTADO</a:t>
+            </a:r>
+          </a:p>
+          <a:p>
+            <a:pPr algn="l">
               <a:lnSpc>
                 <a:spcPct val="115000"/>
               </a:lnSpc>
-              <a:buFont typeface="Arial" panose="020B0604020202020204" pitchFamily="34" charset="0"/>
-              <a:buChar char="•"/>
             </a:pPr>
-            <a:r>
-              <a:rPr lang="en-US" sz="2200" dirty="0"/>
-              <a:t>NRC: 8443</a:t>
+            <a:endParaRPr lang="en-US" sz="2200" b="1" dirty="0">
+              <a:solidFill>
+                <a:srgbClr val="002060">
+                  <a:alpha val="70000"/>
+                </a:srgbClr>
+              </a:solidFill>
+            </a:endParaRPr>
+          </a:p>
+          <a:p>
+            <a:pPr algn="l">
+              <a:lnSpc>
+                <a:spcPct val="115000"/>
+              </a:lnSpc>
+            </a:pPr>
+            <a:r>
+              <a:rPr lang="en-US" sz="2200" b="1" dirty="0" err="1">
+                <a:solidFill>
+                  <a:srgbClr val="002060">
+                    <a:alpha val="70000"/>
+                  </a:srgbClr>
+                </a:solidFill>
+              </a:rPr>
+              <a:t>Integrantes</a:t>
+            </a:r>
+            <a:r>
+              <a:rPr lang="en-US" sz="2200" b="1" dirty="0">
+                <a:solidFill>
+                  <a:srgbClr val="002060">
+                    <a:alpha val="70000"/>
+                  </a:srgbClr>
+                </a:solidFill>
+              </a:rPr>
+              <a:t>: </a:t>
+            </a:r>
+          </a:p>
+          <a:p>
+            <a:pPr algn="l">
+              <a:lnSpc>
+                <a:spcPct val="115000"/>
+              </a:lnSpc>
+            </a:pPr>
+            <a:r>
+              <a:rPr lang="en-US" sz="2200" b="1" dirty="0">
+                <a:solidFill>
+                  <a:srgbClr val="002060">
+                    <a:alpha val="70000"/>
+                  </a:srgbClr>
+                </a:solidFill>
+              </a:rPr>
+              <a:t>	Bustamante Moreno Cristian David</a:t>
+            </a:r>
+          </a:p>
+          <a:p>
+            <a:pPr algn="l">
+              <a:lnSpc>
+                <a:spcPct val="115000"/>
+              </a:lnSpc>
+            </a:pPr>
+            <a:r>
+              <a:rPr lang="en-US" sz="2200" b="1" dirty="0">
+                <a:solidFill>
+                  <a:srgbClr val="002060">
+                    <a:alpha val="70000"/>
+                  </a:srgbClr>
+                </a:solidFill>
+              </a:rPr>
+              <a:t>	Gómez Rosero Luis Daniel</a:t>
             </a:r>
           </a:p>
           <a:p>
@@ -5144,41 +5212,6 @@
               <a:buChar char="•"/>
             </a:pPr>
             <a:endParaRPr lang="en-US" sz="2200" dirty="0"/>
-          </a:p>
-        </p:txBody>
-      </p:sp>
-      <p:sp>
-        <p:nvSpPr>
-          <p:cNvPr id="2" name="Título 1">
-            <a:extLst>
-              <a:ext uri="{FF2B5EF4-FFF2-40B4-BE49-F238E27FC236}">
-                <a16:creationId xmlns:a16="http://schemas.microsoft.com/office/drawing/2014/main" id="{3DF7E3E4-399F-B1FD-AC31-6132CE2B255A}"/>
-              </a:ext>
-            </a:extLst>
-          </p:cNvPr>
-          <p:cNvSpPr>
-            <a:spLocks noGrp="1"/>
-          </p:cNvSpPr>
-          <p:nvPr>
-            <p:ph type="ctrTitle"/>
-          </p:nvPr>
-        </p:nvSpPr>
-        <p:spPr>
-          <a:xfrm>
-            <a:off x="6096000" y="1523990"/>
-            <a:ext cx="5334000" cy="1524010"/>
-          </a:xfrm>
-        </p:spPr>
-        <p:txBody>
-          <a:bodyPr vert="horz" lIns="91440" tIns="45720" rIns="91440" bIns="45720" rtlCol="0" anchor="t">
-            <a:normAutofit/>
-          </a:bodyPr>
-          <a:lstStyle/>
-          <a:p>
-            <a:r>
-              <a:rPr lang="en-US" sz="3200" dirty="0"/>
-              <a:t>UNIVERSIDAD DE LAS FUERZAS ARMADAS - ESPE</a:t>
-            </a:r>
           </a:p>
         </p:txBody>
       </p:sp>
@@ -5226,8 +5259,8 @@
         </p:nvSpPr>
         <p:spPr>
           <a:xfrm>
-            <a:off x="2385391" y="2274838"/>
-            <a:ext cx="7421217" cy="1908215"/>
+            <a:off x="783771" y="973247"/>
+            <a:ext cx="11640457" cy="5355312"/>
           </a:xfrm>
           <a:prstGeom prst="rect">
             <a:avLst/>
@@ -5241,24 +5274,42 @@
           <a:lstStyle/>
           <a:p>
             <a:r>
-              <a:rPr lang="es-ES" sz="2000" dirty="0"/>
+              <a:rPr lang="es-ES" sz="3600" dirty="0"/>
               <a:t>Repositorio</a:t>
             </a:r>
           </a:p>
           <a:p>
-            <a:endParaRPr lang="es-ES" sz="2000" dirty="0"/>
-          </a:p>
-          <a:p>
-            <a:endParaRPr lang="es-EC" sz="2000" dirty="0"/>
-          </a:p>
-          <a:p>
-            <a:r>
-              <a:rPr lang="es-EC" sz="2000" dirty="0"/>
+            <a:endParaRPr lang="es-ES" sz="3600" dirty="0"/>
+          </a:p>
+          <a:p>
+            <a:r>
+              <a:rPr lang="es-ES" sz="3600" dirty="0">
+                <a:hlinkClick r:id="rId2"/>
+              </a:rPr>
+              <a:t>https://github.com/8443-cdbustamante/Grupo02/tree/main/ScrollReveal_8443</a:t>
+            </a:r>
+            <a:endParaRPr lang="es-ES" sz="3600" dirty="0"/>
+          </a:p>
+          <a:p>
+            <a:endParaRPr lang="es-EC" sz="3600" dirty="0"/>
+          </a:p>
+          <a:p>
+            <a:r>
+              <a:rPr lang="es-EC" sz="3600" dirty="0"/>
               <a:t>Enlace Web</a:t>
             </a:r>
           </a:p>
           <a:p>
-            <a:endParaRPr lang="es-EC" sz="2000" dirty="0"/>
+            <a:endParaRPr lang="es-EC" sz="3600" dirty="0"/>
+          </a:p>
+          <a:p>
+            <a:r>
+              <a:rPr lang="es-EC" sz="3600" dirty="0">
+                <a:hlinkClick r:id="rId3"/>
+              </a:rPr>
+              <a:t>https://8443-cdbustamante.github.io/Grupo02/ScrollReveal_8443/</a:t>
+            </a:r>
+            <a:endParaRPr lang="es-EC" sz="3600" dirty="0"/>
           </a:p>
           <a:p>
             <a:endParaRPr lang="es-EC" dirty="0"/>
@@ -5279,8 +5330,8 @@
         </p:nvSpPr>
         <p:spPr>
           <a:xfrm>
-            <a:off x="4770781" y="516834"/>
-            <a:ext cx="2650435" cy="461665"/>
+            <a:off x="3873105" y="142250"/>
+            <a:ext cx="4445790" cy="830997"/>
           </a:xfrm>
           <a:prstGeom prst="rect">
             <a:avLst/>
@@ -5294,18 +5345,18 @@
           <a:lstStyle/>
           <a:p>
             <a:r>
-              <a:rPr lang="es-ES" sz="2400" b="1" dirty="0" err="1"/>
+              <a:rPr lang="es-ES" sz="4800" b="1" dirty="0" err="1"/>
               <a:t>Scroll</a:t>
             </a:r>
             <a:r>
-              <a:rPr lang="es-ES" sz="2400" b="1" dirty="0"/>
+              <a:rPr lang="es-ES" sz="4800" b="1" dirty="0"/>
               <a:t> </a:t>
             </a:r>
             <a:r>
-              <a:rPr lang="es-ES" sz="2400" b="1" dirty="0" err="1"/>
+              <a:rPr lang="es-ES" sz="4800" b="1" dirty="0" err="1"/>
               <a:t>Reveal</a:t>
             </a:r>
-            <a:endParaRPr lang="es-EC" sz="2400" b="1" dirty="0"/>
+            <a:endParaRPr lang="es-EC" sz="4800" b="1" dirty="0"/>
           </a:p>
         </p:txBody>
       </p:sp>
@@ -5353,8 +5404,8 @@
         </p:nvSpPr>
         <p:spPr>
           <a:xfrm>
-            <a:off x="2385391" y="2274838"/>
-            <a:ext cx="7421217" cy="1908215"/>
+            <a:off x="783771" y="973247"/>
+            <a:ext cx="11640457" cy="5078313"/>
           </a:xfrm>
           <a:prstGeom prst="rect">
             <a:avLst/>
@@ -5368,26 +5419,41 @@
           <a:lstStyle/>
           <a:p>
             <a:r>
-              <a:rPr lang="es-ES" sz="2000" dirty="0"/>
+              <a:rPr lang="es-ES" sz="3600" dirty="0"/>
               <a:t>Repositorio</a:t>
             </a:r>
           </a:p>
           <a:p>
-            <a:endParaRPr lang="es-ES" sz="2000" dirty="0"/>
-          </a:p>
-          <a:p>
-            <a:endParaRPr lang="es-EC" sz="2000" dirty="0"/>
-          </a:p>
-          <a:p>
-            <a:r>
-              <a:rPr lang="es-EC" sz="2000" dirty="0"/>
+            <a:endParaRPr lang="es-ES" sz="3600" dirty="0"/>
+          </a:p>
+          <a:p>
+            <a:r>
+              <a:rPr lang="es-EC" sz="3600" dirty="0">
+                <a:hlinkClick r:id="rId2"/>
+              </a:rPr>
+              <a:t>https://github.com/8443-cdbustamante/Grupo02/tree/main/LandingPage_8443</a:t>
+            </a:r>
+            <a:endParaRPr lang="es-EC" sz="3600" dirty="0"/>
+          </a:p>
+          <a:p>
+            <a:endParaRPr lang="es-EC" sz="3600" dirty="0"/>
+          </a:p>
+          <a:p>
+            <a:r>
+              <a:rPr lang="es-EC" sz="3600" dirty="0"/>
               <a:t>Enlace Web</a:t>
             </a:r>
           </a:p>
           <a:p>
-            <a:endParaRPr lang="es-EC" sz="2000" dirty="0"/>
-          </a:p>
-          <a:p>
+            <a:endParaRPr lang="es-EC" sz="3600" dirty="0"/>
+          </a:p>
+          <a:p>
+            <a:r>
+              <a:rPr lang="es-EC" sz="3600" dirty="0">
+                <a:hlinkClick r:id="rId3"/>
+              </a:rPr>
+              <a:t>https://8443-cdbustamante.github.io/Grupo02/LandingPage_8443/</a:t>
+            </a:r>
             <a:endParaRPr lang="es-EC" dirty="0"/>
           </a:p>
         </p:txBody>
@@ -5397,7 +5463,7 @@
           <p:cNvPr id="3" name="CuadroTexto 2">
             <a:extLst>
               <a:ext uri="{FF2B5EF4-FFF2-40B4-BE49-F238E27FC236}">
-                <a16:creationId xmlns:a16="http://schemas.microsoft.com/office/drawing/2014/main" id="{591AADFC-ABC0-9F54-BC7E-FB4AF2464D4A}"/>
+                <a16:creationId xmlns:a16="http://schemas.microsoft.com/office/drawing/2014/main" id="{3E9F58DD-B079-8DF6-B16A-6D8287950422}"/>
               </a:ext>
             </a:extLst>
           </p:cNvPr>
@@ -5406,8 +5472,8 @@
         </p:nvSpPr>
         <p:spPr>
           <a:xfrm>
-            <a:off x="4770781" y="742121"/>
-            <a:ext cx="2650435" cy="461665"/>
+            <a:off x="3873105" y="142250"/>
+            <a:ext cx="4445790" cy="830997"/>
           </a:xfrm>
           <a:prstGeom prst="rect">
             <a:avLst/>
@@ -5421,21 +5487,21 @@
           <a:lstStyle/>
           <a:p>
             <a:r>
-              <a:rPr lang="es-ES" sz="2400" b="1" dirty="0" err="1"/>
+              <a:rPr lang="es-ES" sz="4800" b="1" dirty="0" err="1"/>
               <a:t>Landing</a:t>
             </a:r>
             <a:r>
-              <a:rPr lang="es-ES" sz="2400" b="1" dirty="0"/>
+              <a:rPr lang="es-ES" sz="4800" b="1" dirty="0"/>
               <a:t> Page</a:t>
             </a:r>
-            <a:endParaRPr lang="es-EC" sz="2400" b="1" dirty="0"/>
+            <a:endParaRPr lang="es-EC" sz="4800" b="1" dirty="0"/>
           </a:p>
         </p:txBody>
       </p:sp>
     </p:spTree>
     <p:extLst>
       <p:ext uri="{BB962C8B-B14F-4D97-AF65-F5344CB8AC3E}">
-        <p14:creationId xmlns:p14="http://schemas.microsoft.com/office/powerpoint/2010/main" val="2971981366"/>
+        <p14:creationId xmlns:p14="http://schemas.microsoft.com/office/powerpoint/2010/main" val="273818780"/>
       </p:ext>
     </p:extLst>
   </p:cSld>
